--- a/spring12/slidesS12/matching.pptx
+++ b/spring12/slidesS12/matching.pptx
@@ -6475,7 +6475,11 @@
             </a:r>
             <a:r>
               <a:rPr lang="en-US" dirty="0" smtClean="0"/>
-              <a:t> 7F.</a:t>
+              <a:t> </a:t>
+            </a:r>
+            <a:r>
+              <a:rPr lang="en-US" dirty="0" smtClean="0"/>
+              <a:t>7F.</a:t>
             </a:r>
             <a:fld id="{1469509F-3470-40DB-914A-049BEEC9D3EB}" type="slidenum">
               <a:rPr lang="en-US" smtClean="0"/>
@@ -6531,7 +6535,7 @@
         <p:spPr bwMode="auto">
           <a:xfrm>
             <a:off x="3502014" y="6602413"/>
-            <a:ext cx="2245401" cy="246221"/>
+            <a:ext cx="2265940" cy="246221"/>
           </a:xfrm>
           <a:prstGeom prst="rect">
             <a:avLst/>
@@ -6570,11 +6574,18 @@
               <a:t> </a:t>
             </a:r>
             <a:r>
+              <a:rPr lang="en-US" altLang="zh-CN" sz="1000" baseline="0" dirty="0" smtClean="0">
+                <a:latin typeface="Comic Sans MS" pitchFamily="66" charset="0"/>
+                <a:ea typeface="宋体" pitchFamily="2" charset="-122"/>
+              </a:rPr>
+              <a:t>23</a:t>
+            </a:r>
+            <a:r>
               <a:rPr lang="en-US" altLang="zh-CN" sz="1000" dirty="0" smtClean="0">
                 <a:latin typeface="Comic Sans MS" pitchFamily="66" charset="0"/>
                 <a:ea typeface="宋体" pitchFamily="2" charset="-122"/>
               </a:rPr>
-              <a:t>18, 2011</a:t>
+              <a:t>, 2012</a:t>
             </a:r>
             <a:endParaRPr lang="en-US" altLang="zh-CN" sz="1000" dirty="0">
               <a:latin typeface="Comic Sans MS" pitchFamily="66" charset="0"/>
@@ -13747,7 +13758,13 @@
               <a:rPr lang="en-US" dirty="0" smtClean="0">
                 <a:latin typeface="Comic Sans MS" pitchFamily="66" charset="0"/>
               </a:rPr>
-              <a:t> 8M.</a:t>
+              <a:t> </a:t>
+            </a:r>
+            <a:r>
+              <a:rPr lang="en-US" dirty="0" smtClean="0">
+                <a:latin typeface="Comic Sans MS" pitchFamily="66" charset="0"/>
+              </a:rPr>
+              <a:t>7F.</a:t>
             </a:r>
             <a:fld id="{1F51D20D-19EA-42B0-A38A-1632244BF005}" type="slidenum">
               <a:rPr lang="en-US" smtClean="0">
@@ -14355,7 +14372,11 @@
             </a:r>
             <a:r>
               <a:rPr lang="en-US" dirty="0" smtClean="0"/>
-              <a:t> 8M.</a:t>
+              <a:t> </a:t>
+            </a:r>
+            <a:r>
+              <a:rPr lang="en-US" dirty="0" smtClean="0"/>
+              <a:t>7F.</a:t>
             </a:r>
             <a:fld id="{1D3E4F8F-AF81-4EA5-A2B2-7885C090B741}" type="slidenum">
               <a:rPr lang="en-US" smtClean="0"/>
@@ -15067,7 +15088,11 @@
             </a:r>
             <a:r>
               <a:rPr lang="en-US" dirty="0" smtClean="0"/>
-              <a:t> 8M.</a:t>
+              <a:t> </a:t>
+            </a:r>
+            <a:r>
+              <a:rPr lang="en-US" dirty="0" smtClean="0"/>
+              <a:t>7F.</a:t>
             </a:r>
             <a:fld id="{6A7B380C-F93D-44F2-B7B5-D6607D442191}" type="slidenum">
               <a:rPr lang="en-US" smtClean="0"/>
@@ -15861,7 +15886,11 @@
             </a:r>
             <a:r>
               <a:rPr lang="en-US" dirty="0" smtClean="0"/>
-              <a:t> 8M.</a:t>
+              <a:t> </a:t>
+            </a:r>
+            <a:r>
+              <a:rPr lang="en-US" dirty="0" smtClean="0"/>
+              <a:t>7F.</a:t>
             </a:r>
             <a:fld id="{458F57A3-D5E9-4C0D-8B53-D5CCF6F8BBAC}" type="slidenum">
               <a:rPr lang="en-US" smtClean="0"/>
@@ -16173,7 +16202,11 @@
             </a:r>
             <a:r>
               <a:rPr lang="en-US" dirty="0" smtClean="0"/>
-              <a:t> 8M.</a:t>
+              <a:t> </a:t>
+            </a:r>
+            <a:r>
+              <a:rPr lang="en-US" dirty="0" smtClean="0"/>
+              <a:t>7F.</a:t>
             </a:r>
             <a:fld id="{216A7BE4-5A84-4D5D-AF98-C18DC8FD704E}" type="slidenum">
               <a:rPr lang="en-US" smtClean="0"/>
@@ -16396,7 +16429,11 @@
             </a:r>
             <a:r>
               <a:rPr lang="en-US" dirty="0" smtClean="0"/>
-              <a:t> 8M.</a:t>
+              <a:t> </a:t>
+            </a:r>
+            <a:r>
+              <a:rPr lang="en-US" dirty="0" smtClean="0"/>
+              <a:t>7F.</a:t>
             </a:r>
             <a:fld id="{AC784AFF-BB15-4810-8501-384A0A77827F}" type="slidenum">
               <a:rPr lang="en-US" smtClean="0"/>
@@ -16879,7 +16916,11 @@
             </a:r>
             <a:r>
               <a:rPr lang="en-US" dirty="0" smtClean="0"/>
-              <a:t> 8M.</a:t>
+              <a:t> </a:t>
+            </a:r>
+            <a:r>
+              <a:rPr lang="en-US" dirty="0" smtClean="0"/>
+              <a:t>7F.</a:t>
             </a:r>
             <a:fld id="{CD09AADC-C2B0-4E22-8643-E1056EDA4218}" type="slidenum">
               <a:rPr lang="en-US" smtClean="0"/>
@@ -17249,7 +17290,11 @@
             </a:r>
             <a:r>
               <a:rPr lang="en-US" dirty="0" smtClean="0"/>
-              <a:t> 8M.</a:t>
+              <a:t> </a:t>
+            </a:r>
+            <a:r>
+              <a:rPr lang="en-US" dirty="0" smtClean="0"/>
+              <a:t>7F.</a:t>
             </a:r>
             <a:fld id="{90727D7A-B689-4A7B-AD23-AF912CFD69C5}" type="slidenum">
               <a:rPr lang="en-US" smtClean="0"/>
@@ -17528,7 +17573,11 @@
             </a:r>
             <a:r>
               <a:rPr lang="en-US" dirty="0" smtClean="0"/>
-              <a:t> 8M.</a:t>
+              <a:t> </a:t>
+            </a:r>
+            <a:r>
+              <a:rPr lang="en-US" dirty="0" smtClean="0"/>
+              <a:t>7F.</a:t>
             </a:r>
             <a:fld id="{491606F5-E697-48BD-AA86-CE9A70A39F20}" type="slidenum">
               <a:rPr lang="en-US" smtClean="0"/>
@@ -17776,7 +17825,11 @@
             </a:r>
             <a:r>
               <a:rPr lang="en-US" dirty="0" smtClean="0"/>
-              <a:t> 8M.</a:t>
+              <a:t> </a:t>
+            </a:r>
+            <a:r>
+              <a:rPr lang="en-US" dirty="0" smtClean="0"/>
+              <a:t>7F.</a:t>
             </a:r>
             <a:fld id="{6B3711D7-2607-4210-AFC7-E476BC64029E}" type="slidenum">
               <a:rPr lang="en-US" smtClean="0"/>
@@ -18997,7 +19050,11 @@
             </a:r>
             <a:r>
               <a:rPr lang="en-US" dirty="0" smtClean="0"/>
-              <a:t> 8M.</a:t>
+              <a:t> </a:t>
+            </a:r>
+            <a:r>
+              <a:rPr lang="en-US" dirty="0" smtClean="0"/>
+              <a:t>7F.</a:t>
             </a:r>
             <a:fld id="{C6A26FEC-5BC0-4439-ADB6-C85CAB790131}" type="slidenum">
               <a:rPr lang="en-US" smtClean="0"/>
@@ -19541,7 +19598,11 @@
             </a:r>
             <a:r>
               <a:rPr lang="en-US" dirty="0" smtClean="0"/>
-              <a:t> 8M.</a:t>
+              <a:t> </a:t>
+            </a:r>
+            <a:r>
+              <a:rPr lang="en-US" dirty="0" smtClean="0"/>
+              <a:t>7F.</a:t>
             </a:r>
             <a:fld id="{5A975C45-CE44-40F2-B02D-A9036E7F2B87}" type="slidenum">
               <a:rPr lang="en-US" smtClean="0"/>
@@ -20116,7 +20177,11 @@
             </a:r>
             <a:r>
               <a:rPr lang="en-US" dirty="0" smtClean="0"/>
-              <a:t> 8M.</a:t>
+              <a:t> </a:t>
+            </a:r>
+            <a:r>
+              <a:rPr lang="en-US" dirty="0" smtClean="0"/>
+              <a:t>7F.</a:t>
             </a:r>
             <a:fld id="{95B7F1F7-2008-4F73-B249-C81B8CADF558}" type="slidenum">
               <a:rPr lang="en-US" smtClean="0"/>
@@ -20783,7 +20848,11 @@
             </a:r>
             <a:r>
               <a:rPr lang="en-US" dirty="0" smtClean="0"/>
-              <a:t> 8M.</a:t>
+              <a:t> </a:t>
+            </a:r>
+            <a:r>
+              <a:rPr lang="en-US" dirty="0" smtClean="0"/>
+              <a:t>7F.</a:t>
             </a:r>
             <a:fld id="{C0918BD1-2960-4B7F-BAB0-7A783B309F79}" type="slidenum">
               <a:rPr lang="en-US" smtClean="0"/>
@@ -21207,7 +21276,11 @@
             </a:r>
             <a:r>
               <a:rPr lang="en-US" dirty="0" smtClean="0"/>
-              <a:t> 8M.</a:t>
+              <a:t> </a:t>
+            </a:r>
+            <a:r>
+              <a:rPr lang="en-US" dirty="0" smtClean="0"/>
+              <a:t>7F.</a:t>
             </a:r>
             <a:fld id="{C0918BD1-2960-4B7F-BAB0-7A783B309F79}" type="slidenum">
               <a:rPr lang="en-US" smtClean="0"/>
@@ -21562,7 +21635,11 @@
             </a:r>
             <a:r>
               <a:rPr lang="en-US" dirty="0" smtClean="0"/>
-              <a:t> 8M.</a:t>
+              <a:t> </a:t>
+            </a:r>
+            <a:r>
+              <a:rPr lang="en-US" dirty="0" smtClean="0"/>
+              <a:t>7F.</a:t>
             </a:r>
             <a:fld id="{87D09381-529C-4565-93CC-F0F84618B121}" type="slidenum">
               <a:rPr lang="en-US" smtClean="0"/>
@@ -22138,7 +22215,11 @@
             </a:r>
             <a:r>
               <a:rPr lang="en-US" dirty="0" smtClean="0"/>
-              <a:t> 8M.</a:t>
+              <a:t> </a:t>
+            </a:r>
+            <a:r>
+              <a:rPr lang="en-US" dirty="0" smtClean="0"/>
+              <a:t>7F.</a:t>
             </a:r>
             <a:fld id="{98E15869-363D-4A6A-9DE4-BB4AE5BA2C11}" type="slidenum">
               <a:rPr lang="en-US" smtClean="0"/>
@@ -24884,7 +24965,11 @@
             </a:r>
             <a:r>
               <a:rPr lang="en-US" dirty="0" smtClean="0"/>
-              <a:t> 8M.</a:t>
+              <a:t> </a:t>
+            </a:r>
+            <a:r>
+              <a:rPr lang="en-US" dirty="0" smtClean="0"/>
+              <a:t>7F.</a:t>
             </a:r>
             <a:fld id="{7BB76824-9F76-4ADE-AC6C-0508E1575FA2}" type="slidenum">
               <a:rPr lang="en-US" smtClean="0"/>
@@ -25259,7 +25344,11 @@
             </a:r>
             <a:r>
               <a:rPr lang="en-US" dirty="0" smtClean="0"/>
-              <a:t> 8M-hall.</a:t>
+              <a:t> </a:t>
+            </a:r>
+            <a:r>
+              <a:rPr lang="en-US" dirty="0" smtClean="0"/>
+              <a:t>7F.</a:t>
             </a:r>
             <a:fld id="{9ACC12FA-6F6F-4B19-8ECB-8859505F4A84}" type="slidenum">
               <a:rPr lang="en-US" smtClean="0"/>
@@ -26349,7 +26438,11 @@
             </a:r>
             <a:r>
               <a:rPr lang="en-US" dirty="0" smtClean="0"/>
-              <a:t> 8M-hall.</a:t>
+              <a:t> </a:t>
+            </a:r>
+            <a:r>
+              <a:rPr lang="en-US" dirty="0" smtClean="0"/>
+              <a:t>7F.</a:t>
             </a:r>
             <a:fld id="{C77B729E-9E31-475E-9CA5-309411DA9036}" type="slidenum">
               <a:rPr lang="en-US" smtClean="0"/>
@@ -27523,7 +27616,11 @@
             </a:r>
             <a:r>
               <a:rPr lang="en-US" dirty="0" smtClean="0"/>
-              <a:t> 8M-hall.</a:t>
+              <a:t> </a:t>
+            </a:r>
+            <a:r>
+              <a:rPr lang="en-US" dirty="0" smtClean="0"/>
+              <a:t>7F.</a:t>
             </a:r>
             <a:fld id="{8F9ADA46-464A-400F-B73D-910BCBB97275}" type="slidenum">
               <a:rPr lang="en-US" smtClean="0"/>
@@ -28449,7 +28546,11 @@
             </a:r>
             <a:r>
               <a:rPr lang="en-US" dirty="0" smtClean="0"/>
-              <a:t> 8M-hall.</a:t>
+              <a:t> </a:t>
+            </a:r>
+            <a:r>
+              <a:rPr lang="en-US" dirty="0" smtClean="0"/>
+              <a:t>7F.</a:t>
             </a:r>
             <a:fld id="{79D26E35-00BC-44D4-AD4E-435B82B65974}" type="slidenum">
               <a:rPr lang="en-US" smtClean="0"/>
@@ -29464,7 +29565,11 @@
             </a:r>
             <a:r>
               <a:rPr lang="en-US" dirty="0" smtClean="0"/>
-              <a:t> 8M-hall.</a:t>
+              <a:t> </a:t>
+            </a:r>
+            <a:r>
+              <a:rPr lang="en-US" dirty="0" smtClean="0"/>
+              <a:t>7F.</a:t>
             </a:r>
             <a:fld id="{A062B5E4-4E58-4502-A583-40FD7769549E}" type="slidenum">
               <a:rPr lang="en-US" smtClean="0"/>
@@ -30310,7 +30415,11 @@
             </a:r>
             <a:r>
               <a:rPr lang="en-US" dirty="0" smtClean="0"/>
-              <a:t> 8M-hall.</a:t>
+              <a:t> </a:t>
+            </a:r>
+            <a:r>
+              <a:rPr lang="en-US" dirty="0" smtClean="0"/>
+              <a:t>7F.</a:t>
             </a:r>
             <a:fld id="{A062B5E4-4E58-4502-A583-40FD7769549E}" type="slidenum">
               <a:rPr lang="en-US" smtClean="0"/>
@@ -31241,7 +31350,11 @@
             </a:r>
             <a:r>
               <a:rPr lang="en-US" dirty="0" smtClean="0"/>
-              <a:t> 8M-hall.</a:t>
+              <a:t> </a:t>
+            </a:r>
+            <a:r>
+              <a:rPr lang="en-US" dirty="0" smtClean="0"/>
+              <a:t>7F.</a:t>
             </a:r>
             <a:fld id="{A062B5E4-4E58-4502-A583-40FD7769549E}" type="slidenum">
               <a:rPr lang="en-US" smtClean="0"/>
@@ -33191,7 +33304,11 @@
             </a:r>
             <a:r>
               <a:rPr lang="en-US" dirty="0" smtClean="0"/>
-              <a:t> 8M-hall.</a:t>
+              <a:t> </a:t>
+            </a:r>
+            <a:r>
+              <a:rPr lang="en-US" dirty="0" smtClean="0"/>
+              <a:t>7F.</a:t>
             </a:r>
             <a:fld id="{A062B5E4-4E58-4502-A583-40FD7769549E}" type="slidenum">
               <a:rPr lang="en-US" smtClean="0"/>
@@ -34648,7 +34765,11 @@
             </a:r>
             <a:r>
               <a:rPr lang="en-US" dirty="0" smtClean="0"/>
-              <a:t> 8M-hall.</a:t>
+              <a:t> </a:t>
+            </a:r>
+            <a:r>
+              <a:rPr lang="en-US" dirty="0" smtClean="0"/>
+              <a:t>7F.</a:t>
             </a:r>
             <a:fld id="{A062B5E4-4E58-4502-A583-40FD7769549E}" type="slidenum">
               <a:rPr lang="en-US" smtClean="0"/>
@@ -36324,7 +36445,11 @@
             </a:r>
             <a:r>
               <a:rPr lang="en-US" dirty="0" smtClean="0"/>
-              <a:t> 8M-hall.</a:t>
+              <a:t> </a:t>
+            </a:r>
+            <a:r>
+              <a:rPr lang="en-US" dirty="0" smtClean="0"/>
+              <a:t>7F.</a:t>
             </a:r>
             <a:fld id="{A062B5E4-4E58-4502-A583-40FD7769549E}" type="slidenum">
               <a:rPr lang="en-US" smtClean="0"/>
@@ -37082,7 +37207,11 @@
             </a:r>
             <a:r>
               <a:rPr lang="en-US" dirty="0" smtClean="0"/>
-              <a:t> 8M-hall.</a:t>
+              <a:t> </a:t>
+            </a:r>
+            <a:r>
+              <a:rPr lang="en-US" dirty="0" smtClean="0"/>
+              <a:t>7F.</a:t>
             </a:r>
             <a:fld id="{5FEE5B55-4292-4FA8-AE67-B2EB2C03FE54}" type="slidenum">
               <a:rPr lang="en-US" smtClean="0"/>
@@ -37404,7 +37533,11 @@
             </a:r>
             <a:r>
               <a:rPr lang="en-US" dirty="0" smtClean="0"/>
-              <a:t> 8M-hall.</a:t>
+              <a:t> </a:t>
+            </a:r>
+            <a:r>
+              <a:rPr lang="en-US" dirty="0" smtClean="0"/>
+              <a:t>7F.</a:t>
             </a:r>
             <a:fld id="{EE815EBE-A80C-4F04-9B8C-61CDAF6F5EB4}" type="slidenum">
               <a:rPr lang="en-US" smtClean="0"/>
@@ -37844,7 +37977,11 @@
             </a:r>
             <a:r>
               <a:rPr lang="en-US" dirty="0" smtClean="0"/>
-              <a:t> 8M-hall.</a:t>
+              <a:t> </a:t>
+            </a:r>
+            <a:r>
+              <a:rPr lang="en-US" dirty="0" smtClean="0"/>
+              <a:t>7F.</a:t>
             </a:r>
             <a:fld id="{EB9B9B79-C8D9-48F2-B6B6-031FF048EA6F}" type="slidenum">
               <a:rPr lang="en-US" smtClean="0"/>
@@ -38529,7 +38666,7 @@
           <a:graphicData uri="http://schemas.openxmlformats.org/presentationml/2006/ole">
             <mc:AlternateContent xmlns:mc="http://schemas.openxmlformats.org/markup-compatibility/2006">
               <mc:Choice xmlns:v="urn:schemas-microsoft-com:vml" Requires="v">
-                <p:oleObj spid="_x0000_s1040" name="Equation" r:id="rId4" imgW="914400" imgH="198720" progId="">
+                <p:oleObj spid="_x0000_s1043" name="Equation" r:id="rId4" imgW="914400" imgH="198720" progId="">
                   <p:embed/>
                 </p:oleObj>
               </mc:Choice>
@@ -38605,7 +38742,7 @@
           <a:graphicData uri="http://schemas.openxmlformats.org/presentationml/2006/ole">
             <mc:AlternateContent xmlns:mc="http://schemas.openxmlformats.org/markup-compatibility/2006">
               <mc:Choice xmlns:v="urn:schemas-microsoft-com:vml" Requires="v">
-                <p:oleObj spid="_x0000_s1041" name="Equation" r:id="rId6" imgW="914400" imgH="198720" progId="Equation.3">
+                <p:oleObj spid="_x0000_s1044" name="Equation" r:id="rId6" imgW="914400" imgH="198720" progId="Equation.3">
                   <p:embed/>
                 </p:oleObj>
               </mc:Choice>
@@ -38687,7 +38824,11 @@
             </a:r>
             <a:r>
               <a:rPr lang="en-US" dirty="0" smtClean="0"/>
-              <a:t> 8M-hall.</a:t>
+              <a:t> </a:t>
+            </a:r>
+            <a:r>
+              <a:rPr lang="en-US" dirty="0" smtClean="0"/>
+              <a:t>7F.</a:t>
             </a:r>
             <a:fld id="{BF4B27A8-4FA1-4DF7-89DB-09404700A23C}" type="slidenum">
               <a:rPr lang="en-US" smtClean="0"/>
@@ -39114,7 +39255,7 @@
           <a:graphicData uri="http://schemas.openxmlformats.org/presentationml/2006/ole">
             <mc:AlternateContent xmlns:mc="http://schemas.openxmlformats.org/markup-compatibility/2006">
               <mc:Choice xmlns:v="urn:schemas-microsoft-com:vml" Requires="v">
-                <p:oleObj spid="_x0000_s2064" name="Equation" r:id="rId4" imgW="914400" imgH="198720" progId="">
+                <p:oleObj spid="_x0000_s2067" name="Equation" r:id="rId4" imgW="914400" imgH="198720" progId="">
                   <p:embed/>
                 </p:oleObj>
               </mc:Choice>
@@ -39190,7 +39331,7 @@
           <a:graphicData uri="http://schemas.openxmlformats.org/presentationml/2006/ole">
             <mc:AlternateContent xmlns:mc="http://schemas.openxmlformats.org/markup-compatibility/2006">
               <mc:Choice xmlns:v="urn:schemas-microsoft-com:vml" Requires="v">
-                <p:oleObj spid="_x0000_s2065" name="Equation" r:id="rId6" imgW="914400" imgH="198720" progId="Equation.3">
+                <p:oleObj spid="_x0000_s2068" name="Equation" r:id="rId6" imgW="914400" imgH="198720" progId="Equation.3">
                   <p:embed/>
                 </p:oleObj>
               </mc:Choice>
@@ -39272,7 +39413,11 @@
             </a:r>
             <a:r>
               <a:rPr lang="en-US" dirty="0" smtClean="0"/>
-              <a:t> 8M-hall.</a:t>
+              <a:t> </a:t>
+            </a:r>
+            <a:r>
+              <a:rPr lang="en-US" dirty="0" smtClean="0"/>
+              <a:t>7F.</a:t>
             </a:r>
             <a:fld id="{BF4B27A8-4FA1-4DF7-89DB-09404700A23C}" type="slidenum">
               <a:rPr lang="en-US" smtClean="0"/>
@@ -39676,7 +39821,7 @@
             </a:r>
             <a:r>
               <a:rPr lang="en-US" dirty="0" smtClean="0"/>
-              <a:t>6M.</a:t>
+              <a:t>7F.</a:t>
             </a:r>
             <a:fld id="{8CB76801-ECFD-4E75-B29A-84CDB3DBBAA0}" type="slidenum">
               <a:rPr lang="en-US" smtClean="0"/>
